--- a/tp_poster.pptx
+++ b/tp_poster.pptx
@@ -215,7 +215,7 @@
           <a:p>
             <a:fld id="{77F57086-611F-4159-AD4E-D26D0ED51104}" type="datetimeFigureOut">
               <a:rPr lang="en-US" smtClean="0"/>
-              <a:t>17-Jan-18</a:t>
+              <a:t>20-Jan-18</a:t>
             </a:fld>
             <a:endParaRPr lang="en-US"/>
           </a:p>
@@ -381,7 +381,7 @@
           <a:p>
             <a:fld id="{8FF7C058-238E-440E-A57D-FFF79D3266B8}" type="datetimeFigureOut">
               <a:rPr lang="en-US" smtClean="0"/>
-              <a:t>17-Jan-18</a:t>
+              <a:t>20-Jan-18</a:t>
             </a:fld>
             <a:endParaRPr lang="en-US"/>
           </a:p>
@@ -892,7 +892,7 @@
           <a:p>
             <a:fld id="{BABCE92A-A87A-4D19-B73D-8E469DCF6720}" type="datetimeFigureOut">
               <a:rPr lang="en-US" smtClean="0"/>
-              <a:t>17-Jan-18</a:t>
+              <a:t>20-Jan-18</a:t>
             </a:fld>
             <a:endParaRPr lang="en-US"/>
           </a:p>
@@ -1062,7 +1062,7 @@
           <a:p>
             <a:fld id="{BABCE92A-A87A-4D19-B73D-8E469DCF6720}" type="datetimeFigureOut">
               <a:rPr lang="en-US" smtClean="0"/>
-              <a:t>17-Jan-18</a:t>
+              <a:t>20-Jan-18</a:t>
             </a:fld>
             <a:endParaRPr lang="en-US"/>
           </a:p>
@@ -1242,7 +1242,7 @@
           <a:p>
             <a:fld id="{BABCE92A-A87A-4D19-B73D-8E469DCF6720}" type="datetimeFigureOut">
               <a:rPr lang="en-US" smtClean="0"/>
-              <a:t>17-Jan-18</a:t>
+              <a:t>20-Jan-18</a:t>
             </a:fld>
             <a:endParaRPr lang="en-US"/>
           </a:p>
@@ -1412,7 +1412,7 @@
           <a:p>
             <a:fld id="{BABCE92A-A87A-4D19-B73D-8E469DCF6720}" type="datetimeFigureOut">
               <a:rPr lang="en-US" smtClean="0"/>
-              <a:t>17-Jan-18</a:t>
+              <a:t>20-Jan-18</a:t>
             </a:fld>
             <a:endParaRPr lang="en-US"/>
           </a:p>
@@ -1658,7 +1658,7 @@
           <a:p>
             <a:fld id="{BABCE92A-A87A-4D19-B73D-8E469DCF6720}" type="datetimeFigureOut">
               <a:rPr lang="en-US" smtClean="0"/>
-              <a:t>17-Jan-18</a:t>
+              <a:t>20-Jan-18</a:t>
             </a:fld>
             <a:endParaRPr lang="en-US"/>
           </a:p>
@@ -1946,7 +1946,7 @@
           <a:p>
             <a:fld id="{BABCE92A-A87A-4D19-B73D-8E469DCF6720}" type="datetimeFigureOut">
               <a:rPr lang="en-US" smtClean="0"/>
-              <a:t>17-Jan-18</a:t>
+              <a:t>20-Jan-18</a:t>
             </a:fld>
             <a:endParaRPr lang="en-US"/>
           </a:p>
@@ -2368,7 +2368,7 @@
           <a:p>
             <a:fld id="{BABCE92A-A87A-4D19-B73D-8E469DCF6720}" type="datetimeFigureOut">
               <a:rPr lang="en-US" smtClean="0"/>
-              <a:t>17-Jan-18</a:t>
+              <a:t>20-Jan-18</a:t>
             </a:fld>
             <a:endParaRPr lang="en-US"/>
           </a:p>
@@ -2486,7 +2486,7 @@
           <a:p>
             <a:fld id="{BABCE92A-A87A-4D19-B73D-8E469DCF6720}" type="datetimeFigureOut">
               <a:rPr lang="en-US" smtClean="0"/>
-              <a:t>17-Jan-18</a:t>
+              <a:t>20-Jan-18</a:t>
             </a:fld>
             <a:endParaRPr lang="en-US"/>
           </a:p>
@@ -2581,7 +2581,7 @@
           <a:p>
             <a:fld id="{BABCE92A-A87A-4D19-B73D-8E469DCF6720}" type="datetimeFigureOut">
               <a:rPr lang="en-US" smtClean="0"/>
-              <a:t>17-Jan-18</a:t>
+              <a:t>20-Jan-18</a:t>
             </a:fld>
             <a:endParaRPr lang="en-US"/>
           </a:p>
@@ -2858,7 +2858,7 @@
           <a:p>
             <a:fld id="{BABCE92A-A87A-4D19-B73D-8E469DCF6720}" type="datetimeFigureOut">
               <a:rPr lang="en-US" smtClean="0"/>
-              <a:t>17-Jan-18</a:t>
+              <a:t>20-Jan-18</a:t>
             </a:fld>
             <a:endParaRPr lang="en-US"/>
           </a:p>
@@ -3111,7 +3111,7 @@
           <a:p>
             <a:fld id="{BABCE92A-A87A-4D19-B73D-8E469DCF6720}" type="datetimeFigureOut">
               <a:rPr lang="en-US" smtClean="0"/>
-              <a:t>17-Jan-18</a:t>
+              <a:t>20-Jan-18</a:t>
             </a:fld>
             <a:endParaRPr lang="en-US"/>
           </a:p>
@@ -3324,7 +3324,7 @@
           <a:p>
             <a:fld id="{BABCE92A-A87A-4D19-B73D-8E469DCF6720}" type="datetimeFigureOut">
               <a:rPr lang="en-US" smtClean="0"/>
-              <a:t>17-Jan-18</a:t>
+              <a:t>20-Jan-18</a:t>
             </a:fld>
             <a:endParaRPr lang="en-US"/>
           </a:p>
@@ -5415,7 +5415,7 @@
         </p:nvSpPr>
         <p:spPr>
           <a:xfrm>
-            <a:off x="587833" y="15016640"/>
+            <a:off x="567225" y="15145441"/>
             <a:ext cx="2143091" cy="732535"/>
           </a:xfrm>
           <a:prstGeom prst="roundRect">
@@ -5507,7 +5507,7 @@
         </p:nvSpPr>
         <p:spPr>
           <a:xfrm>
-            <a:off x="255542" y="12953078"/>
+            <a:off x="234934" y="14248669"/>
             <a:ext cx="2825522" cy="3196108"/>
           </a:xfrm>
           <a:prstGeom prst="roundRect">
@@ -5574,7 +5574,7 @@
         <p:spPr>
           <a:xfrm>
             <a:off x="354460" y="8194600"/>
-            <a:ext cx="7206802" cy="4154984"/>
+            <a:ext cx="7206802" cy="2954655"/>
           </a:xfrm>
           <a:prstGeom prst="rect">
             <a:avLst/>
@@ -5602,7 +5602,7 @@
                 <a:latin typeface="Segoe UI" panose="020B0502040204020203" pitchFamily="34" charset="0"/>
                 <a:cs typeface="Segoe UI" panose="020B0502040204020203" pitchFamily="34" charset="0"/>
               </a:rPr>
-              <a:t>aplikácia v počítači zobrazuje dáta prostredníctvom okuliarov pre virtuálnu realitu</a:t>
+              <a:t>aplikácia zobrazuje dáta prostredníctvom okuliarov pre virtuálnu realitu</a:t>
             </a:r>
           </a:p>
           <a:p>
@@ -5621,8 +5621,25 @@
                 <a:latin typeface="Segoe UI" panose="020B0502040204020203" pitchFamily="34" charset="0"/>
                 <a:cs typeface="Segoe UI" panose="020B0502040204020203" pitchFamily="34" charset="0"/>
               </a:rPr>
-              <a:t>ruky sú snímané a prenášané do virtuálneho sveta</a:t>
-            </a:r>
+              <a:t>ruky sú snímané a prenášané do </a:t>
+            </a:r>
+            <a:r>
+              <a:rPr lang="en-US" sz="2600" dirty="0">
+                <a:solidFill>
+                  <a:schemeClr val="bg1"/>
+                </a:solidFill>
+                <a:latin typeface="Segoe UI" panose="020B0502040204020203" pitchFamily="34" charset="0"/>
+                <a:cs typeface="Segoe UI" panose="020B0502040204020203" pitchFamily="34" charset="0"/>
+              </a:rPr>
+              <a:t>VR</a:t>
+            </a:r>
+            <a:endParaRPr lang="sk-SK" sz="2600" dirty="0">
+              <a:solidFill>
+                <a:schemeClr val="bg1"/>
+              </a:solidFill>
+              <a:latin typeface="Segoe UI" panose="020B0502040204020203" pitchFamily="34" charset="0"/>
+              <a:cs typeface="Segoe UI" panose="020B0502040204020203" pitchFamily="34" charset="0"/>
+            </a:endParaRPr>
           </a:p>
           <a:p>
             <a:pPr marL="457200" indent="-457200">
@@ -5640,7 +5657,27 @@
                 <a:latin typeface="Segoe UI" panose="020B0502040204020203" pitchFamily="34" charset="0"/>
                 <a:cs typeface="Segoe UI" panose="020B0502040204020203" pitchFamily="34" charset="0"/>
               </a:rPr>
-              <a:t>používateľ má možnosť cítiť, kedy sa dotkne virtuálneho predmetu vďaka špeciálne navrhnutej rukavici, ktorej diely boli zhotovené pomocou 3D tlače</a:t>
+              <a:t>používateľ má možnosť cítiť</a:t>
+            </a:r>
+            <a:r>
+              <a:rPr lang="en-US" sz="2600" dirty="0">
+                <a:solidFill>
+                  <a:schemeClr val="bg1"/>
+                </a:solidFill>
+                <a:latin typeface="Segoe UI" panose="020B0502040204020203" pitchFamily="34" charset="0"/>
+                <a:cs typeface="Segoe UI" panose="020B0502040204020203" pitchFamily="34" charset="0"/>
+              </a:rPr>
+              <a:t> </a:t>
+            </a:r>
+            <a:r>
+              <a:rPr lang="sk-SK" sz="2600" dirty="0">
+                <a:solidFill>
+                  <a:schemeClr val="bg1"/>
+                </a:solidFill>
+                <a:latin typeface="Segoe UI" panose="020B0502040204020203" pitchFamily="34" charset="0"/>
+                <a:cs typeface="Segoe UI" panose="020B0502040204020203" pitchFamily="34" charset="0"/>
+              </a:rPr>
+              <a:t>dotyk predmetu vďaka špeciálne navrhnutej rukavici, ktorej diely boli zhotovené pomocou 3D tlače</a:t>
             </a:r>
           </a:p>
         </p:txBody>
@@ -5659,7 +5696,7 @@
         </p:nvSpPr>
         <p:spPr>
           <a:xfrm>
-            <a:off x="587834" y="13808677"/>
+            <a:off x="567226" y="16298335"/>
             <a:ext cx="2143090" cy="803777"/>
           </a:xfrm>
           <a:prstGeom prst="roundRect">
@@ -5776,8 +5813,8 @@
         </p:nvSpPr>
         <p:spPr>
           <a:xfrm>
-            <a:off x="3461317" y="12949242"/>
-            <a:ext cx="2959625" cy="4492492"/>
+            <a:off x="3461317" y="13330658"/>
+            <a:ext cx="2959625" cy="4111076"/>
           </a:xfrm>
           <a:prstGeom prst="roundRect">
             <a:avLst/>
@@ -5842,8 +5879,8 @@
         </p:nvSpPr>
         <p:spPr>
           <a:xfrm>
-            <a:off x="6810486" y="14251144"/>
-            <a:ext cx="2592288" cy="3190590"/>
+            <a:off x="6810486" y="14320524"/>
+            <a:ext cx="2815506" cy="3121210"/>
           </a:xfrm>
           <a:prstGeom prst="roundRect">
             <a:avLst/>
@@ -5908,7 +5945,7 @@
         </p:nvSpPr>
         <p:spPr>
           <a:xfrm>
-            <a:off x="3820970" y="15021185"/>
+            <a:off x="3820970" y="15145441"/>
             <a:ext cx="2240321" cy="732535"/>
           </a:xfrm>
           <a:prstGeom prst="roundRect">
@@ -5982,8 +6019,8 @@
         </p:nvCxnSpPr>
         <p:spPr>
           <a:xfrm>
-            <a:off x="2730924" y="15382908"/>
-            <a:ext cx="1090046" cy="4545"/>
+            <a:off x="2710316" y="15511709"/>
+            <a:ext cx="1110654" cy="0"/>
           </a:xfrm>
           <a:prstGeom prst="straightConnector1">
             <a:avLst/>
@@ -6024,7 +6061,7 @@
         </p:nvSpPr>
         <p:spPr>
           <a:xfrm>
-            <a:off x="3820971" y="13813222"/>
+            <a:off x="3820971" y="16298335"/>
             <a:ext cx="2240321" cy="803777"/>
           </a:xfrm>
           <a:prstGeom prst="roundRect">
@@ -6097,9 +6134,9 @@
           <p:nvPr/>
         </p:nvCxnSpPr>
         <p:spPr>
-          <a:xfrm flipH="1" flipV="1">
-            <a:off x="2730924" y="14210566"/>
-            <a:ext cx="1090047" cy="4545"/>
+          <a:xfrm flipH="1">
+            <a:off x="2710316" y="16700224"/>
+            <a:ext cx="1110655" cy="0"/>
           </a:xfrm>
           <a:prstGeom prst="straightConnector1">
             <a:avLst/>
@@ -6140,7 +6177,7 @@
         </p:nvSpPr>
         <p:spPr>
           <a:xfrm>
-            <a:off x="3820969" y="16123926"/>
+            <a:off x="3820969" y="14065321"/>
             <a:ext cx="2240321" cy="732535"/>
           </a:xfrm>
           <a:prstGeom prst="roundRect">
@@ -6210,7 +6247,7 @@
         </p:nvSpPr>
         <p:spPr>
           <a:xfrm>
-            <a:off x="6986469" y="16113500"/>
+            <a:off x="7116181" y="15073433"/>
             <a:ext cx="2240321" cy="732535"/>
           </a:xfrm>
           <a:prstGeom prst="roundRect">
@@ -6280,7 +6317,7 @@
         </p:nvSpPr>
         <p:spPr>
           <a:xfrm>
-            <a:off x="6990428" y="15020990"/>
+            <a:off x="7116179" y="16182815"/>
             <a:ext cx="2240321" cy="732535"/>
           </a:xfrm>
           <a:prstGeom prst="roundRect">
@@ -6363,52 +6400,6 @@
       </p:sp>
       <p:cxnSp>
         <p:nvCxnSpPr>
-          <p:cNvPr id="74" name="Rovná spojovacia šípka 73">
-            <a:extLst>
-              <a:ext uri="{FF2B5EF4-FFF2-40B4-BE49-F238E27FC236}">
-                <a16:creationId xmlns:a16="http://schemas.microsoft.com/office/drawing/2014/main" id="{AFE55CEC-A57C-43C5-9C1B-D4EAAFE5948E}"/>
-              </a:ext>
-            </a:extLst>
-          </p:cNvPr>
-          <p:cNvCxnSpPr>
-            <a:cxnSpLocks/>
-            <a:stCxn id="53" idx="3"/>
-            <a:endCxn id="72" idx="1"/>
-          </p:cNvCxnSpPr>
-          <p:nvPr/>
-        </p:nvCxnSpPr>
-        <p:spPr>
-          <a:xfrm flipV="1">
-            <a:off x="6061290" y="16479768"/>
-            <a:ext cx="925179" cy="10426"/>
-          </a:xfrm>
-          <a:prstGeom prst="straightConnector1">
-            <a:avLst/>
-          </a:prstGeom>
-          <a:ln w="76200">
-            <a:solidFill>
-              <a:srgbClr val="B7DEE8"/>
-            </a:solidFill>
-            <a:tailEnd type="triangle"/>
-          </a:ln>
-        </p:spPr>
-        <p:style>
-          <a:lnRef idx="1">
-            <a:schemeClr val="accent1"/>
-          </a:lnRef>
-          <a:fillRef idx="0">
-            <a:schemeClr val="accent1"/>
-          </a:fillRef>
-          <a:effectRef idx="0">
-            <a:schemeClr val="accent1"/>
-          </a:effectRef>
-          <a:fontRef idx="minor">
-            <a:schemeClr val="tx1"/>
-          </a:fontRef>
-        </p:style>
-      </p:cxnSp>
-      <p:cxnSp>
-        <p:nvCxnSpPr>
           <p:cNvPr id="89" name="Rovná spojovacia šípka 88">
             <a:extLst>
               <a:ext uri="{FF2B5EF4-FFF2-40B4-BE49-F238E27FC236}">
@@ -6418,15 +6409,15 @@
           </p:cNvPr>
           <p:cNvCxnSpPr>
             <a:cxnSpLocks/>
-            <a:stCxn id="45" idx="2"/>
-            <a:endCxn id="40" idx="0"/>
+            <a:stCxn id="45" idx="0"/>
+            <a:endCxn id="40" idx="2"/>
           </p:cNvCxnSpPr>
           <p:nvPr/>
         </p:nvCxnSpPr>
         <p:spPr>
-          <a:xfrm flipH="1">
-            <a:off x="4941131" y="14616999"/>
-            <a:ext cx="1" cy="404186"/>
+          <a:xfrm flipH="1" flipV="1">
+            <a:off x="4941131" y="15877976"/>
+            <a:ext cx="1" cy="420359"/>
           </a:xfrm>
           <a:prstGeom prst="straightConnector1">
             <a:avLst/>
@@ -6464,15 +6455,16 @@
             </a:extLst>
           </p:cNvPr>
           <p:cNvCxnSpPr>
-            <a:stCxn id="72" idx="0"/>
-            <a:endCxn id="73" idx="2"/>
+            <a:cxnSpLocks/>
+            <a:stCxn id="72" idx="2"/>
+            <a:endCxn id="73" idx="0"/>
           </p:cNvCxnSpPr>
           <p:nvPr/>
         </p:nvCxnSpPr>
         <p:spPr>
-          <a:xfrm flipV="1">
-            <a:off x="8106630" y="15753525"/>
-            <a:ext cx="3959" cy="359975"/>
+          <a:xfrm flipH="1">
+            <a:off x="8236340" y="15805968"/>
+            <a:ext cx="2" cy="376847"/>
           </a:xfrm>
           <a:prstGeom prst="straightConnector1">
             <a:avLst/>
@@ -6510,15 +6502,15 @@
           </p:cNvPr>
           <p:cNvCxnSpPr>
             <a:cxnSpLocks/>
-            <a:stCxn id="40" idx="2"/>
-            <a:endCxn id="53" idx="0"/>
+            <a:stCxn id="40" idx="0"/>
+            <a:endCxn id="53" idx="2"/>
           </p:cNvCxnSpPr>
           <p:nvPr/>
         </p:nvCxnSpPr>
         <p:spPr>
-          <a:xfrm flipH="1">
-            <a:off x="4941130" y="15753720"/>
-            <a:ext cx="1" cy="370206"/>
+          <a:xfrm flipH="1" flipV="1">
+            <a:off x="4941130" y="14797856"/>
+            <a:ext cx="1" cy="347585"/>
           </a:xfrm>
           <a:prstGeom prst="straightConnector1">
             <a:avLst/>
@@ -7545,6 +7537,159 @@
               </a14:hiddenFill>
             </a:ext>
           </a:extLst>
+        </p:spPr>
+      </p:pic>
+      <p:pic>
+        <p:nvPicPr>
+          <p:cNvPr id="61" name="Obrázok 60">
+            <a:extLst>
+              <a:ext uri="{FF2B5EF4-FFF2-40B4-BE49-F238E27FC236}">
+                <a16:creationId xmlns:a16="http://schemas.microsoft.com/office/drawing/2014/main" id="{FED769C4-EF9A-4AE8-B909-2502236FB1C9}"/>
+              </a:ext>
+            </a:extLst>
+          </p:cNvPr>
+          <p:cNvPicPr>
+            <a:picLocks noChangeAspect="1"/>
+          </p:cNvPicPr>
+          <p:nvPr/>
+        </p:nvPicPr>
+        <p:blipFill rotWithShape="1">
+          <a:blip r:embed="rId25">
+            <a:extLst>
+              <a:ext uri="{28A0092B-C50C-407E-A947-70E740481C1C}">
+                <a14:useLocalDpi xmlns:a14="http://schemas.microsoft.com/office/drawing/2010/main" val="0"/>
+              </a:ext>
+            </a:extLst>
+          </a:blip>
+          <a:srcRect l="8434" t="8187" r="16031" b="6734"/>
+          <a:stretch/>
+        </p:blipFill>
+        <p:spPr>
+          <a:xfrm>
+            <a:off x="389578" y="11297731"/>
+            <a:ext cx="2595195" cy="2034275"/>
+          </a:xfrm>
+          <a:prstGeom prst="rect">
+            <a:avLst/>
+          </a:prstGeom>
+        </p:spPr>
+      </p:pic>
+      <p:pic>
+        <p:nvPicPr>
+          <p:cNvPr id="62" name="Obrázok 61">
+            <a:extLst>
+              <a:ext uri="{FF2B5EF4-FFF2-40B4-BE49-F238E27FC236}">
+                <a16:creationId xmlns:a16="http://schemas.microsoft.com/office/drawing/2014/main" id="{E8A66A60-4241-400D-9EBC-994BD26650DC}"/>
+              </a:ext>
+            </a:extLst>
+          </p:cNvPr>
+          <p:cNvPicPr>
+            <a:picLocks noChangeAspect="1"/>
+          </p:cNvPicPr>
+          <p:nvPr/>
+        </p:nvPicPr>
+        <p:blipFill rotWithShape="1">
+          <a:blip r:embed="rId26">
+            <a:extLst>
+              <a:ext uri="{28A0092B-C50C-407E-A947-70E740481C1C}">
+                <a14:useLocalDpi xmlns:a14="http://schemas.microsoft.com/office/drawing/2010/main" val="0"/>
+              </a:ext>
+            </a:extLst>
+          </a:blip>
+          <a:srcRect t="-506" r="9135"/>
+          <a:stretch/>
+        </p:blipFill>
+        <p:spPr>
+          <a:xfrm>
+            <a:off x="3550573" y="11303304"/>
+            <a:ext cx="2781111" cy="1578571"/>
+          </a:xfrm>
+          <a:prstGeom prst="rect">
+            <a:avLst/>
+          </a:prstGeom>
+        </p:spPr>
+      </p:pic>
+      <p:cxnSp>
+        <p:nvCxnSpPr>
+          <p:cNvPr id="23" name="Spojnica: zalomená 22">
+            <a:extLst>
+              <a:ext uri="{FF2B5EF4-FFF2-40B4-BE49-F238E27FC236}">
+                <a16:creationId xmlns:a16="http://schemas.microsoft.com/office/drawing/2014/main" id="{DB78899A-4DA8-452C-9C71-D289C0ECA898}"/>
+              </a:ext>
+            </a:extLst>
+          </p:cNvPr>
+          <p:cNvCxnSpPr>
+            <a:stCxn id="53" idx="3"/>
+            <a:endCxn id="72" idx="1"/>
+          </p:cNvCxnSpPr>
+          <p:nvPr/>
+        </p:nvCxnSpPr>
+        <p:spPr>
+          <a:xfrm>
+            <a:off x="6061290" y="14431589"/>
+            <a:ext cx="1054891" cy="1008112"/>
+          </a:xfrm>
+          <a:prstGeom prst="bentConnector3">
+            <a:avLst>
+              <a:gd name="adj1" fmla="val 50000"/>
+            </a:avLst>
+          </a:prstGeom>
+          <a:ln w="76200">
+            <a:solidFill>
+              <a:srgbClr val="B7DEE8"/>
+            </a:solidFill>
+            <a:tailEnd type="triangle"/>
+          </a:ln>
+        </p:spPr>
+        <p:style>
+          <a:lnRef idx="1">
+            <a:schemeClr val="accent1"/>
+          </a:lnRef>
+          <a:fillRef idx="0">
+            <a:schemeClr val="accent1"/>
+          </a:fillRef>
+          <a:effectRef idx="0">
+            <a:schemeClr val="accent1"/>
+          </a:effectRef>
+          <a:fontRef idx="minor">
+            <a:schemeClr val="tx1"/>
+          </a:fontRef>
+        </p:style>
+      </p:cxnSp>
+      <p:pic>
+        <p:nvPicPr>
+          <p:cNvPr id="33" name="Obrázok 32" descr="Obrázok, na ktorom je budova&#10;&#10;Popis vygenerovaný s vysokou spoľahlivosťou">
+            <a:extLst>
+              <a:ext uri="{FF2B5EF4-FFF2-40B4-BE49-F238E27FC236}">
+                <a16:creationId xmlns:a16="http://schemas.microsoft.com/office/drawing/2014/main" id="{9C672E74-C6F4-443F-AFBA-806DA365305D}"/>
+              </a:ext>
+            </a:extLst>
+          </p:cNvPr>
+          <p:cNvPicPr>
+            <a:picLocks noChangeAspect="1"/>
+          </p:cNvPicPr>
+          <p:nvPr/>
+        </p:nvPicPr>
+        <p:blipFill>
+          <a:blip r:embed="rId27" cstate="print">
+            <a:extLst>
+              <a:ext uri="{28A0092B-C50C-407E-A947-70E740481C1C}">
+                <a14:useLocalDpi xmlns:a14="http://schemas.microsoft.com/office/drawing/2010/main" val="0"/>
+              </a:ext>
+            </a:extLst>
+          </a:blip>
+          <a:stretch>
+            <a:fillRect/>
+          </a:stretch>
+        </p:blipFill>
+        <p:spPr>
+          <a:xfrm>
+            <a:off x="6906893" y="11307036"/>
+            <a:ext cx="2348578" cy="2619427"/>
+          </a:xfrm>
+          <a:prstGeom prst="rect">
+            <a:avLst/>
+          </a:prstGeom>
         </p:spPr>
       </p:pic>
     </p:spTree>
